--- a/assets/files/Curs3/CURS3.pptx
+++ b/assets/files/Curs3/CURS3.pptx
@@ -114,6 +114,22 @@
       </a:defRPr>
     </a:lvl9pPr>
   </p:defaultTextStyle>
+  <p:extLst>
+    <p:ext uri="{EFAFB233-063F-42B5-8137-9DF3F51BA10A}">
+      <p15:sldGuideLst xmlns:p15="http://schemas.microsoft.com/office/powerpoint/2012/main">
+        <p15:guide id="1" orient="horz" pos="2160">
+          <p15:clr>
+            <a:srgbClr val="A4A3A4"/>
+          </p15:clr>
+        </p15:guide>
+        <p15:guide id="2" pos="2880">
+          <p15:clr>
+            <a:srgbClr val="A4A3A4"/>
+          </p15:clr>
+        </p15:guide>
+      </p15:sldGuideLst>
+    </p:ext>
+  </p:extLst>
 </p:presentation>
 </file>
 
@@ -879,7 +895,7 @@
             <a:fld id="{5E194475-4925-4C89-BBC2-322BC66AFFCB}" type="datetimeFigureOut">
               <a:rPr lang="ro-RO" smtClean="0"/>
               <a:pPr/>
-              <a:t>19.03.2018</a:t>
+              <a:t>04.09.2018</a:t>
             </a:fld>
             <a:endParaRPr lang="ro-RO"/>
           </a:p>
@@ -931,7 +947,7 @@
     </p:spTree>
     <p:extLst>
       <p:ext uri="{BB962C8B-B14F-4D97-AF65-F5344CB8AC3E}">
-        <p14:creationId xmlns:p14="http://schemas.microsoft.com/office/powerpoint/2010/main" xmlns="" val="1847488592"/>
+        <p14:creationId xmlns:p14="http://schemas.microsoft.com/office/powerpoint/2010/main" val="1847488592"/>
       </p:ext>
     </p:extLst>
   </p:cSld>
@@ -1075,7 +1091,7 @@
             <a:fld id="{5E194475-4925-4C89-BBC2-322BC66AFFCB}" type="datetimeFigureOut">
               <a:rPr lang="ro-RO" smtClean="0"/>
               <a:pPr/>
-              <a:t>19.03.2018</a:t>
+              <a:t>04.09.2018</a:t>
             </a:fld>
             <a:endParaRPr lang="ro-RO"/>
           </a:p>
@@ -1127,7 +1143,7 @@
     </p:spTree>
     <p:extLst>
       <p:ext uri="{BB962C8B-B14F-4D97-AF65-F5344CB8AC3E}">
-        <p14:creationId xmlns:p14="http://schemas.microsoft.com/office/powerpoint/2010/main" xmlns="" val="1996675165"/>
+        <p14:creationId xmlns:p14="http://schemas.microsoft.com/office/powerpoint/2010/main" val="1996675165"/>
       </p:ext>
     </p:extLst>
   </p:cSld>
@@ -1281,7 +1297,7 @@
             <a:fld id="{5E194475-4925-4C89-BBC2-322BC66AFFCB}" type="datetimeFigureOut">
               <a:rPr lang="ro-RO" smtClean="0"/>
               <a:pPr/>
-              <a:t>19.03.2018</a:t>
+              <a:t>04.09.2018</a:t>
             </a:fld>
             <a:endParaRPr lang="ro-RO"/>
           </a:p>
@@ -1333,7 +1349,7 @@
     </p:spTree>
     <p:extLst>
       <p:ext uri="{BB962C8B-B14F-4D97-AF65-F5344CB8AC3E}">
-        <p14:creationId xmlns:p14="http://schemas.microsoft.com/office/powerpoint/2010/main" xmlns="" val="595886489"/>
+        <p14:creationId xmlns:p14="http://schemas.microsoft.com/office/powerpoint/2010/main" val="595886489"/>
       </p:ext>
     </p:extLst>
   </p:cSld>
@@ -1477,7 +1493,7 @@
             <a:fld id="{5E194475-4925-4C89-BBC2-322BC66AFFCB}" type="datetimeFigureOut">
               <a:rPr lang="ro-RO" smtClean="0"/>
               <a:pPr/>
-              <a:t>19.03.2018</a:t>
+              <a:t>04.09.2018</a:t>
             </a:fld>
             <a:endParaRPr lang="ro-RO"/>
           </a:p>
@@ -1529,7 +1545,7 @@
     </p:spTree>
     <p:extLst>
       <p:ext uri="{BB962C8B-B14F-4D97-AF65-F5344CB8AC3E}">
-        <p14:creationId xmlns:p14="http://schemas.microsoft.com/office/powerpoint/2010/main" xmlns="" val="1406769010"/>
+        <p14:creationId xmlns:p14="http://schemas.microsoft.com/office/powerpoint/2010/main" val="1406769010"/>
       </p:ext>
     </p:extLst>
   </p:cSld>
@@ -1907,7 +1923,7 @@
             <a:fld id="{5E194475-4925-4C89-BBC2-322BC66AFFCB}" type="datetimeFigureOut">
               <a:rPr lang="ro-RO" smtClean="0"/>
               <a:pPr/>
-              <a:t>19.03.2018</a:t>
+              <a:t>04.09.2018</a:t>
             </a:fld>
             <a:endParaRPr lang="ro-RO"/>
           </a:p>
@@ -1959,7 +1975,7 @@
     </p:spTree>
     <p:extLst>
       <p:ext uri="{BB962C8B-B14F-4D97-AF65-F5344CB8AC3E}">
-        <p14:creationId xmlns:p14="http://schemas.microsoft.com/office/powerpoint/2010/main" xmlns="" val="3616330612"/>
+        <p14:creationId xmlns:p14="http://schemas.microsoft.com/office/powerpoint/2010/main" val="3616330612"/>
       </p:ext>
     </p:extLst>
   </p:cSld>
@@ -2209,7 +2225,7 @@
             <a:fld id="{5E194475-4925-4C89-BBC2-322BC66AFFCB}" type="datetimeFigureOut">
               <a:rPr lang="ro-RO" smtClean="0"/>
               <a:pPr/>
-              <a:t>19.03.2018</a:t>
+              <a:t>04.09.2018</a:t>
             </a:fld>
             <a:endParaRPr lang="ro-RO"/>
           </a:p>
@@ -2261,7 +2277,7 @@
     </p:spTree>
     <p:extLst>
       <p:ext uri="{BB962C8B-B14F-4D97-AF65-F5344CB8AC3E}">
-        <p14:creationId xmlns:p14="http://schemas.microsoft.com/office/powerpoint/2010/main" xmlns="" val="3557647742"/>
+        <p14:creationId xmlns:p14="http://schemas.microsoft.com/office/powerpoint/2010/main" val="3557647742"/>
       </p:ext>
     </p:extLst>
   </p:cSld>
@@ -2663,7 +2679,7 @@
             <a:fld id="{5E194475-4925-4C89-BBC2-322BC66AFFCB}" type="datetimeFigureOut">
               <a:rPr lang="ro-RO" smtClean="0"/>
               <a:pPr/>
-              <a:t>19.03.2018</a:t>
+              <a:t>04.09.2018</a:t>
             </a:fld>
             <a:endParaRPr lang="ro-RO"/>
           </a:p>
@@ -2715,7 +2731,7 @@
     </p:spTree>
     <p:extLst>
       <p:ext uri="{BB962C8B-B14F-4D97-AF65-F5344CB8AC3E}">
-        <p14:creationId xmlns:p14="http://schemas.microsoft.com/office/powerpoint/2010/main" xmlns="" val="595381913"/>
+        <p14:creationId xmlns:p14="http://schemas.microsoft.com/office/powerpoint/2010/main" val="595381913"/>
       </p:ext>
     </p:extLst>
   </p:cSld>
@@ -2791,7 +2807,7 @@
             <a:fld id="{5E194475-4925-4C89-BBC2-322BC66AFFCB}" type="datetimeFigureOut">
               <a:rPr lang="ro-RO" smtClean="0"/>
               <a:pPr/>
-              <a:t>19.03.2018</a:t>
+              <a:t>04.09.2018</a:t>
             </a:fld>
             <a:endParaRPr lang="ro-RO"/>
           </a:p>
@@ -2843,7 +2859,7 @@
     </p:spTree>
     <p:extLst>
       <p:ext uri="{BB962C8B-B14F-4D97-AF65-F5344CB8AC3E}">
-        <p14:creationId xmlns:p14="http://schemas.microsoft.com/office/powerpoint/2010/main" xmlns="" val="1515229190"/>
+        <p14:creationId xmlns:p14="http://schemas.microsoft.com/office/powerpoint/2010/main" val="1515229190"/>
       </p:ext>
     </p:extLst>
   </p:cSld>
@@ -2895,7 +2911,7 @@
             <a:fld id="{5E194475-4925-4C89-BBC2-322BC66AFFCB}" type="datetimeFigureOut">
               <a:rPr lang="ro-RO" smtClean="0"/>
               <a:pPr/>
-              <a:t>19.03.2018</a:t>
+              <a:t>04.09.2018</a:t>
             </a:fld>
             <a:endParaRPr lang="ro-RO"/>
           </a:p>
@@ -2947,7 +2963,7 @@
     </p:spTree>
     <p:extLst>
       <p:ext uri="{BB962C8B-B14F-4D97-AF65-F5344CB8AC3E}">
-        <p14:creationId xmlns:p14="http://schemas.microsoft.com/office/powerpoint/2010/main" xmlns="" val="2172478503"/>
+        <p14:creationId xmlns:p14="http://schemas.microsoft.com/office/powerpoint/2010/main" val="2172478503"/>
       </p:ext>
     </p:extLst>
   </p:cSld>
@@ -3192,7 +3208,7 @@
             <a:fld id="{5E194475-4925-4C89-BBC2-322BC66AFFCB}" type="datetimeFigureOut">
               <a:rPr lang="ro-RO" smtClean="0"/>
               <a:pPr/>
-              <a:t>19.03.2018</a:t>
+              <a:t>04.09.2018</a:t>
             </a:fld>
             <a:endParaRPr lang="ro-RO"/>
           </a:p>
@@ -3244,7 +3260,7 @@
     </p:spTree>
     <p:extLst>
       <p:ext uri="{BB962C8B-B14F-4D97-AF65-F5344CB8AC3E}">
-        <p14:creationId xmlns:p14="http://schemas.microsoft.com/office/powerpoint/2010/main" xmlns="" val="1618139351"/>
+        <p14:creationId xmlns:p14="http://schemas.microsoft.com/office/powerpoint/2010/main" val="1618139351"/>
       </p:ext>
     </p:extLst>
   </p:cSld>
@@ -3479,7 +3495,7 @@
             <a:fld id="{5E194475-4925-4C89-BBC2-322BC66AFFCB}" type="datetimeFigureOut">
               <a:rPr lang="ro-RO" smtClean="0"/>
               <a:pPr/>
-              <a:t>19.03.2018</a:t>
+              <a:t>04.09.2018</a:t>
             </a:fld>
             <a:endParaRPr lang="ro-RO"/>
           </a:p>
@@ -3531,7 +3547,7 @@
     </p:spTree>
     <p:extLst>
       <p:ext uri="{BB962C8B-B14F-4D97-AF65-F5344CB8AC3E}">
-        <p14:creationId xmlns:p14="http://schemas.microsoft.com/office/powerpoint/2010/main" xmlns="" val="4223431649"/>
+        <p14:creationId xmlns:p14="http://schemas.microsoft.com/office/powerpoint/2010/main" val="4223431649"/>
       </p:ext>
     </p:extLst>
   </p:cSld>
@@ -4095,7 +4111,7 @@
             <a:fld id="{5E194475-4925-4C89-BBC2-322BC66AFFCB}" type="datetimeFigureOut">
               <a:rPr lang="ro-RO" smtClean="0"/>
               <a:pPr/>
-              <a:t>19.03.2018</a:t>
+              <a:t>04.09.2018</a:t>
             </a:fld>
             <a:endParaRPr lang="ro-RO"/>
           </a:p>
@@ -4183,7 +4199,7 @@
     </p:spTree>
     <p:extLst>
       <p:ext uri="{BB962C8B-B14F-4D97-AF65-F5344CB8AC3E}">
-        <p14:creationId xmlns:p14="http://schemas.microsoft.com/office/powerpoint/2010/main" xmlns="" val="1395275884"/>
+        <p14:creationId xmlns:p14="http://schemas.microsoft.com/office/powerpoint/2010/main" val="1395275884"/>
       </p:ext>
     </p:extLst>
   </p:cSld>
@@ -4522,7 +4538,7 @@
   </p:txStyles>
   <p:extLst mod="1">
     <p:ext uri="{27BBF7A9-308A-43DC-89C8-2F10F3537804}">
-      <p15:sldGuideLst xmlns:p15="http://schemas.microsoft.com/office/powerpoint/2012/main" xmlns="">
+      <p15:sldGuideLst xmlns:p15="http://schemas.microsoft.com/office/powerpoint/2012/main">
         <p15:guide id="1" orient="horz" pos="2160" userDrawn="1">
           <p15:clr>
             <a:srgbClr val="F26B43"/>
@@ -4616,14 +4632,7 @@
                 <a:latin typeface="Times New Roman" pitchFamily="18" charset="0"/>
                 <a:cs typeface="Times New Roman" pitchFamily="18" charset="0"/>
               </a:rPr>
-              <a:t>Prezentarea Pl</a:t>
-            </a:r>
-            <a:r>
-              <a:rPr lang="ro-RO" dirty="0" smtClean="0">
-                <a:latin typeface="Times New Roman" pitchFamily="18" charset="0"/>
-                <a:cs typeface="Times New Roman" pitchFamily="18" charset="0"/>
-              </a:rPr>
-              <a:t>ăcii și a mediului de dezvoltare Arduino</a:t>
+              <a:t>Prezentarea Plăcii și a mediului de dezvoltare Arduino</a:t>
             </a:r>
             <a:endParaRPr lang="ro-RO" dirty="0">
               <a:latin typeface="Times New Roman" pitchFamily="18" charset="0"/>
@@ -4680,22 +4689,28 @@
       </p:sp>
       <p:pic>
         <p:nvPicPr>
-          <p:cNvPr id="5" name="Picture 4" descr="logo.png"/>
+          <p:cNvPr id="6" name="Picture 5"/>
           <p:cNvPicPr>
             <a:picLocks noChangeAspect="1"/>
           </p:cNvPicPr>
           <p:nvPr/>
         </p:nvPicPr>
         <p:blipFill>
-          <a:blip r:embed="rId2" cstate="print"/>
+          <a:blip r:embed="rId2" cstate="print">
+            <a:extLst>
+              <a:ext uri="{28A0092B-C50C-407E-A947-70E740481C1C}">
+                <a14:useLocalDpi xmlns:a14="http://schemas.microsoft.com/office/drawing/2010/main" val="0"/>
+              </a:ext>
+            </a:extLst>
+          </a:blip>
           <a:stretch>
             <a:fillRect/>
           </a:stretch>
         </p:blipFill>
         <p:spPr>
           <a:xfrm>
-            <a:off x="7358082" y="285728"/>
-            <a:ext cx="1329340" cy="1357624"/>
+            <a:off x="6767490" y="19249"/>
+            <a:ext cx="2286000" cy="1838272"/>
           </a:xfrm>
           <a:prstGeom prst="rect">
             <a:avLst/>
@@ -4704,11 +4719,7 @@
             <a:noFill/>
           </a:ln>
           <a:effectLst>
-            <a:outerShdw blurRad="292100" dist="139700" dir="2700000" algn="tl" rotWithShape="0">
-              <a:srgbClr val="333333">
-                <a:alpha val="65000"/>
-              </a:srgbClr>
-            </a:outerShdw>
+            <a:softEdge rad="112500"/>
           </a:effectLst>
         </p:spPr>
       </p:pic>
@@ -5968,11 +5979,7 @@
             </a:pPr>
             <a:r>
               <a:rPr lang="en-US" dirty="0" smtClean="0"/>
-              <a:t>“</a:t>
-            </a:r>
-            <a:r>
-              <a:rPr lang="en-US" dirty="0" smtClean="0"/>
-              <a:t>C</a:t>
+              <a:t>“C</a:t>
             </a:r>
             <a:r>
               <a:rPr lang="ro-RO" dirty="0" smtClean="0"/>
@@ -6603,7 +6610,7 @@
   <a:extraClrSchemeLst/>
   <a:extLst>
     <a:ext uri="{05A4C25C-085E-4340-85A3-A5531E510DB2}">
-      <thm15:themeFamily xmlns:thm15="http://schemas.microsoft.com/office/thememl/2012/main" xmlns="" name="Office_9533247_TF02787990" id="{76C63960-7296-4B25-B475-BEAE1455F92F}" vid="{A697BE9B-8A11-4EC4-BF91-F9DF2123C59D}"/>
+      <thm15:themeFamily xmlns:thm15="http://schemas.microsoft.com/office/thememl/2012/main" name="Office_9533247_TF02787990" id="{76C63960-7296-4B25-B475-BEAE1455F92F}" vid="{A697BE9B-8A11-4EC4-BF91-F9DF2123C59D}"/>
     </a:ext>
   </a:extLst>
 </a:theme>
